--- a/figures/ppt.pptx
+++ b/figures/ppt.pptx
@@ -106,6 +106,11 @@
       </a:defRPr>
     </a:lvl9pPr>
   </p:defaultTextStyle>
+  <p:extLst>
+    <p:ext uri="{EFAFB233-063F-42B5-8137-9DF3F51BA10A}">
+      <p15:sldGuideLst xmlns:p15="http://schemas.microsoft.com/office/powerpoint/2012/main"/>
+    </p:ext>
+  </p:extLst>
 </p:presentation>
 </file>
 
@@ -258,7 +263,7 @@
           <a:p>
             <a:fld id="{78EE4270-DB3A-48C1-AA11-E0F145ABC2A0}" type="datetimeFigureOut">
               <a:rPr lang="en-GB" smtClean="0"/>
-              <a:t>13/01/2020</a:t>
+              <a:t>14/01/2020</a:t>
             </a:fld>
             <a:endParaRPr lang="en-GB"/>
           </a:p>
@@ -458,7 +463,7 @@
           <a:p>
             <a:fld id="{78EE4270-DB3A-48C1-AA11-E0F145ABC2A0}" type="datetimeFigureOut">
               <a:rPr lang="en-GB" smtClean="0"/>
-              <a:t>13/01/2020</a:t>
+              <a:t>14/01/2020</a:t>
             </a:fld>
             <a:endParaRPr lang="en-GB"/>
           </a:p>
@@ -668,7 +673,7 @@
           <a:p>
             <a:fld id="{78EE4270-DB3A-48C1-AA11-E0F145ABC2A0}" type="datetimeFigureOut">
               <a:rPr lang="en-GB" smtClean="0"/>
-              <a:t>13/01/2020</a:t>
+              <a:t>14/01/2020</a:t>
             </a:fld>
             <a:endParaRPr lang="en-GB"/>
           </a:p>
@@ -868,7 +873,7 @@
           <a:p>
             <a:fld id="{78EE4270-DB3A-48C1-AA11-E0F145ABC2A0}" type="datetimeFigureOut">
               <a:rPr lang="en-GB" smtClean="0"/>
-              <a:t>13/01/2020</a:t>
+              <a:t>14/01/2020</a:t>
             </a:fld>
             <a:endParaRPr lang="en-GB"/>
           </a:p>
@@ -1144,7 +1149,7 @@
           <a:p>
             <a:fld id="{78EE4270-DB3A-48C1-AA11-E0F145ABC2A0}" type="datetimeFigureOut">
               <a:rPr lang="en-GB" smtClean="0"/>
-              <a:t>13/01/2020</a:t>
+              <a:t>14/01/2020</a:t>
             </a:fld>
             <a:endParaRPr lang="en-GB"/>
           </a:p>
@@ -1412,7 +1417,7 @@
           <a:p>
             <a:fld id="{78EE4270-DB3A-48C1-AA11-E0F145ABC2A0}" type="datetimeFigureOut">
               <a:rPr lang="en-GB" smtClean="0"/>
-              <a:t>13/01/2020</a:t>
+              <a:t>14/01/2020</a:t>
             </a:fld>
             <a:endParaRPr lang="en-GB"/>
           </a:p>
@@ -1827,7 +1832,7 @@
           <a:p>
             <a:fld id="{78EE4270-DB3A-48C1-AA11-E0F145ABC2A0}" type="datetimeFigureOut">
               <a:rPr lang="en-GB" smtClean="0"/>
-              <a:t>13/01/2020</a:t>
+              <a:t>14/01/2020</a:t>
             </a:fld>
             <a:endParaRPr lang="en-GB"/>
           </a:p>
@@ -1969,7 +1974,7 @@
           <a:p>
             <a:fld id="{78EE4270-DB3A-48C1-AA11-E0F145ABC2A0}" type="datetimeFigureOut">
               <a:rPr lang="en-GB" smtClean="0"/>
-              <a:t>13/01/2020</a:t>
+              <a:t>14/01/2020</a:t>
             </a:fld>
             <a:endParaRPr lang="en-GB"/>
           </a:p>
@@ -2082,7 +2087,7 @@
           <a:p>
             <a:fld id="{78EE4270-DB3A-48C1-AA11-E0F145ABC2A0}" type="datetimeFigureOut">
               <a:rPr lang="en-GB" smtClean="0"/>
-              <a:t>13/01/2020</a:t>
+              <a:t>14/01/2020</a:t>
             </a:fld>
             <a:endParaRPr lang="en-GB"/>
           </a:p>
@@ -2395,7 +2400,7 @@
           <a:p>
             <a:fld id="{78EE4270-DB3A-48C1-AA11-E0F145ABC2A0}" type="datetimeFigureOut">
               <a:rPr lang="en-GB" smtClean="0"/>
-              <a:t>13/01/2020</a:t>
+              <a:t>14/01/2020</a:t>
             </a:fld>
             <a:endParaRPr lang="en-GB"/>
           </a:p>
@@ -2684,7 +2689,7 @@
           <a:p>
             <a:fld id="{78EE4270-DB3A-48C1-AA11-E0F145ABC2A0}" type="datetimeFigureOut">
               <a:rPr lang="en-GB" smtClean="0"/>
-              <a:t>13/01/2020</a:t>
+              <a:t>14/01/2020</a:t>
             </a:fld>
             <a:endParaRPr lang="en-GB"/>
           </a:p>
@@ -2927,7 +2932,7 @@
           <a:p>
             <a:fld id="{78EE4270-DB3A-48C1-AA11-E0F145ABC2A0}" type="datetimeFigureOut">
               <a:rPr lang="en-GB" smtClean="0"/>
-              <a:t>13/01/2020</a:t>
+              <a:t>14/01/2020</a:t>
             </a:fld>
             <a:endParaRPr lang="en-GB"/>
           </a:p>
@@ -3365,7 +3370,7 @@
         </p:blipFill>
         <p:spPr>
           <a:xfrm>
-            <a:off x="4011561" y="774289"/>
+            <a:off x="5299587" y="774289"/>
             <a:ext cx="3057832" cy="5309421"/>
           </a:xfrm>
           <a:prstGeom prst="rect">

--- a/figures/ppt.pptx
+++ b/figures/ppt.pptx
@@ -3351,10 +3351,10 @@
       </p:grpSpPr>
       <p:pic>
         <p:nvPicPr>
-          <p:cNvPr id="4" name="Picture 3">
-            <a:extLst>
-              <a:ext uri="{FF2B5EF4-FFF2-40B4-BE49-F238E27FC236}">
-                <a16:creationId xmlns:a16="http://schemas.microsoft.com/office/drawing/2014/main" id="{7C6E8522-B9DD-4CE9-9C66-719F40E6EBE3}"/>
+          <p:cNvPr id="2" name="Picture 1">
+            <a:extLst>
+              <a:ext uri="{FF2B5EF4-FFF2-40B4-BE49-F238E27FC236}">
+                <a16:creationId xmlns:a16="http://schemas.microsoft.com/office/drawing/2014/main" id="{93F8B499-C55A-4B2D-B794-A57D8B8F57CA}"/>
               </a:ext>
             </a:extLst>
           </p:cNvPr>
@@ -3365,19 +3365,83 @@
         </p:nvPicPr>
         <p:blipFill rotWithShape="1">
           <a:blip r:embed="rId2"/>
-          <a:srcRect l="33710" t="13046" r="41210" b="9534"/>
+          <a:srcRect l="33790" t="13046" r="32178" b="9964"/>
           <a:stretch/>
         </p:blipFill>
         <p:spPr>
           <a:xfrm>
-            <a:off x="5299587" y="774289"/>
-            <a:ext cx="3057832" cy="5309421"/>
+            <a:off x="3903407" y="707922"/>
+            <a:ext cx="4149213" cy="5279924"/>
           </a:xfrm>
           <a:prstGeom prst="rect">
             <a:avLst/>
           </a:prstGeom>
         </p:spPr>
       </p:pic>
+      <p:pic>
+        <p:nvPicPr>
+          <p:cNvPr id="3" name="Picture 2">
+            <a:extLst>
+              <a:ext uri="{FF2B5EF4-FFF2-40B4-BE49-F238E27FC236}">
+                <a16:creationId xmlns:a16="http://schemas.microsoft.com/office/drawing/2014/main" id="{7B8B314D-841E-46CA-8DA7-9A4B4FE36B5D}"/>
+              </a:ext>
+            </a:extLst>
+          </p:cNvPr>
+          <p:cNvPicPr>
+            <a:picLocks noChangeAspect="1"/>
+          </p:cNvPicPr>
+          <p:nvPr/>
+        </p:nvPicPr>
+        <p:blipFill rotWithShape="1">
+          <a:blip r:embed="rId3"/>
+          <a:srcRect l="14919" t="19929" r="62581" b="35054"/>
+          <a:stretch/>
+        </p:blipFill>
+        <p:spPr>
+          <a:xfrm>
+            <a:off x="3953791" y="4486656"/>
+            <a:ext cx="1091337" cy="1228244"/>
+          </a:xfrm>
+          <a:prstGeom prst="rect">
+            <a:avLst/>
+          </a:prstGeom>
+        </p:spPr>
+      </p:pic>
+      <p:sp>
+        <p:nvSpPr>
+          <p:cNvPr id="5" name="TextBox 4">
+            <a:extLst>
+              <a:ext uri="{FF2B5EF4-FFF2-40B4-BE49-F238E27FC236}">
+                <a16:creationId xmlns:a16="http://schemas.microsoft.com/office/drawing/2014/main" id="{9FC21CEE-F66E-41E6-A41D-9EEC394211F5}"/>
+              </a:ext>
+            </a:extLst>
+          </p:cNvPr>
+          <p:cNvSpPr txBox="1"/>
+          <p:nvPr/>
+        </p:nvSpPr>
+        <p:spPr>
+          <a:xfrm>
+            <a:off x="3903407" y="707922"/>
+            <a:ext cx="1632154" cy="461665"/>
+          </a:xfrm>
+          <a:prstGeom prst="rect">
+            <a:avLst/>
+          </a:prstGeom>
+          <a:noFill/>
+        </p:spPr>
+        <p:txBody>
+          <a:bodyPr wrap="square" rtlCol="0">
+            <a:spAutoFit/>
+          </a:bodyPr>
+          <a:lstStyle/>
+          <a:p>
+            <a:r>
+              <a:rPr lang="en-GB" sz="1200" dirty="0"/>
+              <a:t>UK 2019 General Election Results</a:t>
+            </a:r>
+          </a:p>
+        </p:txBody>
+      </p:sp>
     </p:spTree>
     <p:extLst>
       <p:ext uri="{BB962C8B-B14F-4D97-AF65-F5344CB8AC3E}">
@@ -3408,6 +3472,99 @@
           <a:chExt cx="0" cy="0"/>
         </a:xfrm>
       </p:grpSpPr>
+      <p:pic>
+        <p:nvPicPr>
+          <p:cNvPr id="4" name="Picture 3">
+            <a:extLst>
+              <a:ext uri="{FF2B5EF4-FFF2-40B4-BE49-F238E27FC236}">
+                <a16:creationId xmlns:a16="http://schemas.microsoft.com/office/drawing/2014/main" id="{5AA7EE3E-49A4-4168-92C0-1744772252AA}"/>
+              </a:ext>
+            </a:extLst>
+          </p:cNvPr>
+          <p:cNvPicPr>
+            <a:picLocks noChangeAspect="1"/>
+          </p:cNvPicPr>
+          <p:nvPr/>
+        </p:nvPicPr>
+        <p:blipFill rotWithShape="1">
+          <a:blip r:embed="rId2"/>
+          <a:srcRect l="34032" t="14623" r="33952" b="10323"/>
+          <a:stretch/>
+        </p:blipFill>
+        <p:spPr>
+          <a:xfrm>
+            <a:off x="3854246" y="956287"/>
+            <a:ext cx="3903406" cy="5147188"/>
+          </a:xfrm>
+          <a:prstGeom prst="rect">
+            <a:avLst/>
+          </a:prstGeom>
+        </p:spPr>
+      </p:pic>
+      <p:pic>
+        <p:nvPicPr>
+          <p:cNvPr id="3" name="Picture 2">
+            <a:extLst>
+              <a:ext uri="{FF2B5EF4-FFF2-40B4-BE49-F238E27FC236}">
+                <a16:creationId xmlns:a16="http://schemas.microsoft.com/office/drawing/2014/main" id="{B00D0472-0B82-4502-94EC-A7F02A42CFE5}"/>
+              </a:ext>
+            </a:extLst>
+          </p:cNvPr>
+          <p:cNvPicPr>
+            <a:picLocks noChangeAspect="1"/>
+          </p:cNvPicPr>
+          <p:nvPr/>
+        </p:nvPicPr>
+        <p:blipFill rotWithShape="1">
+          <a:blip r:embed="rId3"/>
+          <a:srcRect l="14919" t="19929" r="62581" b="35054"/>
+          <a:stretch/>
+        </p:blipFill>
+        <p:spPr>
+          <a:xfrm>
+            <a:off x="3953791" y="4486656"/>
+            <a:ext cx="1091337" cy="1228244"/>
+          </a:xfrm>
+          <a:prstGeom prst="rect">
+            <a:avLst/>
+          </a:prstGeom>
+        </p:spPr>
+      </p:pic>
+      <p:sp>
+        <p:nvSpPr>
+          <p:cNvPr id="5" name="TextBox 4">
+            <a:extLst>
+              <a:ext uri="{FF2B5EF4-FFF2-40B4-BE49-F238E27FC236}">
+                <a16:creationId xmlns:a16="http://schemas.microsoft.com/office/drawing/2014/main" id="{1E661A36-87E1-4CAD-BC07-1A6EB77493BB}"/>
+              </a:ext>
+            </a:extLst>
+          </p:cNvPr>
+          <p:cNvSpPr txBox="1"/>
+          <p:nvPr/>
+        </p:nvSpPr>
+        <p:spPr>
+          <a:xfrm>
+            <a:off x="3854246" y="956287"/>
+            <a:ext cx="1858296" cy="461665"/>
+          </a:xfrm>
+          <a:prstGeom prst="rect">
+            <a:avLst/>
+          </a:prstGeom>
+          <a:noFill/>
+        </p:spPr>
+        <p:txBody>
+          <a:bodyPr wrap="square" rtlCol="0">
+            <a:spAutoFit/>
+          </a:bodyPr>
+          <a:lstStyle/>
+          <a:p>
+            <a:r>
+              <a:rPr lang="en-GB" sz="1200" dirty="0"/>
+              <a:t>Data collection strategy (by Party Success)</a:t>
+            </a:r>
+          </a:p>
+        </p:txBody>
+      </p:sp>
     </p:spTree>
     <p:extLst>
       <p:ext uri="{BB962C8B-B14F-4D97-AF65-F5344CB8AC3E}">
@@ -3438,6 +3595,99 @@
           <a:chExt cx="0" cy="0"/>
         </a:xfrm>
       </p:grpSpPr>
+      <p:pic>
+        <p:nvPicPr>
+          <p:cNvPr id="2" name="Picture 1">
+            <a:extLst>
+              <a:ext uri="{FF2B5EF4-FFF2-40B4-BE49-F238E27FC236}">
+                <a16:creationId xmlns:a16="http://schemas.microsoft.com/office/drawing/2014/main" id="{C55348F8-EA3E-412C-95C6-B87CF7C554FA}"/>
+              </a:ext>
+            </a:extLst>
+          </p:cNvPr>
+          <p:cNvPicPr>
+            <a:picLocks noChangeAspect="1"/>
+          </p:cNvPicPr>
+          <p:nvPr/>
+        </p:nvPicPr>
+        <p:blipFill rotWithShape="1">
+          <a:blip r:embed="rId2"/>
+          <a:srcRect l="31694" t="12616" r="33952" b="10681"/>
+          <a:stretch/>
+        </p:blipFill>
+        <p:spPr>
+          <a:xfrm>
+            <a:off x="3864078" y="865238"/>
+            <a:ext cx="4188542" cy="5260259"/>
+          </a:xfrm>
+          <a:prstGeom prst="rect">
+            <a:avLst/>
+          </a:prstGeom>
+        </p:spPr>
+      </p:pic>
+      <p:pic>
+        <p:nvPicPr>
+          <p:cNvPr id="3" name="Picture 2">
+            <a:extLst>
+              <a:ext uri="{FF2B5EF4-FFF2-40B4-BE49-F238E27FC236}">
+                <a16:creationId xmlns:a16="http://schemas.microsoft.com/office/drawing/2014/main" id="{A42E20A4-32C7-40EC-B607-A4C509DBDD3A}"/>
+              </a:ext>
+            </a:extLst>
+          </p:cNvPr>
+          <p:cNvPicPr>
+            <a:picLocks noChangeAspect="1"/>
+          </p:cNvPicPr>
+          <p:nvPr/>
+        </p:nvPicPr>
+        <p:blipFill rotWithShape="1">
+          <a:blip r:embed="rId3"/>
+          <a:srcRect l="14919" t="19929" r="62581" b="35054"/>
+          <a:stretch/>
+        </p:blipFill>
+        <p:spPr>
+          <a:xfrm>
+            <a:off x="3973455" y="4565314"/>
+            <a:ext cx="1091337" cy="1228244"/>
+          </a:xfrm>
+          <a:prstGeom prst="rect">
+            <a:avLst/>
+          </a:prstGeom>
+        </p:spPr>
+      </p:pic>
+      <p:sp>
+        <p:nvSpPr>
+          <p:cNvPr id="5" name="TextBox 4">
+            <a:extLst>
+              <a:ext uri="{FF2B5EF4-FFF2-40B4-BE49-F238E27FC236}">
+                <a16:creationId xmlns:a16="http://schemas.microsoft.com/office/drawing/2014/main" id="{5AF93F11-300E-40BF-B3D1-43A49301B251}"/>
+              </a:ext>
+            </a:extLst>
+          </p:cNvPr>
+          <p:cNvSpPr txBox="1"/>
+          <p:nvPr/>
+        </p:nvSpPr>
+        <p:spPr>
+          <a:xfrm>
+            <a:off x="3864078" y="865238"/>
+            <a:ext cx="1858296" cy="461665"/>
+          </a:xfrm>
+          <a:prstGeom prst="rect">
+            <a:avLst/>
+          </a:prstGeom>
+          <a:noFill/>
+        </p:spPr>
+        <p:txBody>
+          <a:bodyPr wrap="square" rtlCol="0">
+            <a:spAutoFit/>
+          </a:bodyPr>
+          <a:lstStyle/>
+          <a:p>
+            <a:r>
+              <a:rPr lang="en-GB" sz="1200" dirty="0"/>
+              <a:t>Data collection strategy (by Country)</a:t>
+            </a:r>
+          </a:p>
+        </p:txBody>
+      </p:sp>
     </p:spTree>
     <p:extLst>
       <p:ext uri="{BB962C8B-B14F-4D97-AF65-F5344CB8AC3E}">

--- a/figures/ppt.pptx
+++ b/figures/ppt.pptx
@@ -6,8 +6,8 @@
   </p:sldMasterIdLst>
   <p:sldIdLst>
     <p:sldId id="256" r:id="rId2"/>
-    <p:sldId id="257" r:id="rId3"/>
-    <p:sldId id="258" r:id="rId4"/>
+    <p:sldId id="258" r:id="rId3"/>
+    <p:sldId id="257" r:id="rId4"/>
   </p:sldIdLst>
   <p:sldSz cx="12192000" cy="6858000"/>
   <p:notesSz cx="6858000" cy="9144000"/>
@@ -3474,10 +3474,10 @@
       </p:grpSpPr>
       <p:pic>
         <p:nvPicPr>
-          <p:cNvPr id="4" name="Picture 3">
-            <a:extLst>
-              <a:ext uri="{FF2B5EF4-FFF2-40B4-BE49-F238E27FC236}">
-                <a16:creationId xmlns:a16="http://schemas.microsoft.com/office/drawing/2014/main" id="{5AA7EE3E-49A4-4168-92C0-1744772252AA}"/>
+          <p:cNvPr id="2" name="Picture 1">
+            <a:extLst>
+              <a:ext uri="{FF2B5EF4-FFF2-40B4-BE49-F238E27FC236}">
+                <a16:creationId xmlns:a16="http://schemas.microsoft.com/office/drawing/2014/main" id="{C55348F8-EA3E-412C-95C6-B87CF7C554FA}"/>
               </a:ext>
             </a:extLst>
           </p:cNvPr>
@@ -3488,13 +3488,13 @@
         </p:nvPicPr>
         <p:blipFill rotWithShape="1">
           <a:blip r:embed="rId2"/>
-          <a:srcRect l="34032" t="14623" r="33952" b="10323"/>
+          <a:srcRect l="31694" t="12616" r="33952" b="10681"/>
           <a:stretch/>
         </p:blipFill>
         <p:spPr>
           <a:xfrm>
-            <a:off x="3854246" y="956287"/>
-            <a:ext cx="3903406" cy="5147188"/>
+            <a:off x="3864078" y="865238"/>
+            <a:ext cx="4188542" cy="5260259"/>
           </a:xfrm>
           <a:prstGeom prst="rect">
             <a:avLst/>
@@ -3506,7 +3506,7 @@
           <p:cNvPr id="3" name="Picture 2">
             <a:extLst>
               <a:ext uri="{FF2B5EF4-FFF2-40B4-BE49-F238E27FC236}">
-                <a16:creationId xmlns:a16="http://schemas.microsoft.com/office/drawing/2014/main" id="{B00D0472-0B82-4502-94EC-A7F02A42CFE5}"/>
+                <a16:creationId xmlns:a16="http://schemas.microsoft.com/office/drawing/2014/main" id="{A42E20A4-32C7-40EC-B607-A4C509DBDD3A}"/>
               </a:ext>
             </a:extLst>
           </p:cNvPr>
@@ -3522,7 +3522,7 @@
         </p:blipFill>
         <p:spPr>
           <a:xfrm>
-            <a:off x="3953791" y="4486656"/>
+            <a:off x="3973455" y="4565314"/>
             <a:ext cx="1091337" cy="1228244"/>
           </a:xfrm>
           <a:prstGeom prst="rect">
@@ -3535,7 +3535,7 @@
           <p:cNvPr id="5" name="TextBox 4">
             <a:extLst>
               <a:ext uri="{FF2B5EF4-FFF2-40B4-BE49-F238E27FC236}">
-                <a16:creationId xmlns:a16="http://schemas.microsoft.com/office/drawing/2014/main" id="{1E661A36-87E1-4CAD-BC07-1A6EB77493BB}"/>
+                <a16:creationId xmlns:a16="http://schemas.microsoft.com/office/drawing/2014/main" id="{5AF93F11-300E-40BF-B3D1-43A49301B251}"/>
               </a:ext>
             </a:extLst>
           </p:cNvPr>
@@ -3544,8 +3544,8 @@
         </p:nvSpPr>
         <p:spPr>
           <a:xfrm>
-            <a:off x="3854246" y="956287"/>
-            <a:ext cx="1858296" cy="461665"/>
+            <a:off x="3864078" y="865238"/>
+            <a:ext cx="1200714" cy="461665"/>
           </a:xfrm>
           <a:prstGeom prst="rect">
             <a:avLst/>
@@ -3560,7 +3560,7 @@
           <a:p>
             <a:r>
               <a:rPr lang="en-GB" sz="1200" dirty="0"/>
-              <a:t>Data collection strategy (by Party Success)</a:t>
+              <a:t>Data collection (by Country)</a:t>
             </a:r>
           </a:p>
         </p:txBody>
@@ -3568,7 +3568,7 @@
     </p:spTree>
     <p:extLst>
       <p:ext uri="{BB962C8B-B14F-4D97-AF65-F5344CB8AC3E}">
-        <p14:creationId xmlns:p14="http://schemas.microsoft.com/office/powerpoint/2010/main" val="1395990471"/>
+        <p14:creationId xmlns:p14="http://schemas.microsoft.com/office/powerpoint/2010/main" val="577332463"/>
       </p:ext>
     </p:extLst>
   </p:cSld>
@@ -3597,10 +3597,10 @@
       </p:grpSpPr>
       <p:pic>
         <p:nvPicPr>
-          <p:cNvPr id="2" name="Picture 1">
-            <a:extLst>
-              <a:ext uri="{FF2B5EF4-FFF2-40B4-BE49-F238E27FC236}">
-                <a16:creationId xmlns:a16="http://schemas.microsoft.com/office/drawing/2014/main" id="{C55348F8-EA3E-412C-95C6-B87CF7C554FA}"/>
+          <p:cNvPr id="4" name="Picture 3">
+            <a:extLst>
+              <a:ext uri="{FF2B5EF4-FFF2-40B4-BE49-F238E27FC236}">
+                <a16:creationId xmlns:a16="http://schemas.microsoft.com/office/drawing/2014/main" id="{5AA7EE3E-49A4-4168-92C0-1744772252AA}"/>
               </a:ext>
             </a:extLst>
           </p:cNvPr>
@@ -3611,13 +3611,13 @@
         </p:nvPicPr>
         <p:blipFill rotWithShape="1">
           <a:blip r:embed="rId2"/>
-          <a:srcRect l="31694" t="12616" r="33952" b="10681"/>
+          <a:srcRect l="31451" t="14623" r="33952" b="9428"/>
           <a:stretch/>
         </p:blipFill>
         <p:spPr>
           <a:xfrm>
-            <a:off x="3864078" y="865238"/>
-            <a:ext cx="4188542" cy="5260259"/>
+            <a:off x="3539613" y="956286"/>
+            <a:ext cx="4218039" cy="5208539"/>
           </a:xfrm>
           <a:prstGeom prst="rect">
             <a:avLst/>
@@ -3629,7 +3629,7 @@
           <p:cNvPr id="3" name="Picture 2">
             <a:extLst>
               <a:ext uri="{FF2B5EF4-FFF2-40B4-BE49-F238E27FC236}">
-                <a16:creationId xmlns:a16="http://schemas.microsoft.com/office/drawing/2014/main" id="{A42E20A4-32C7-40EC-B607-A4C509DBDD3A}"/>
+                <a16:creationId xmlns:a16="http://schemas.microsoft.com/office/drawing/2014/main" id="{B00D0472-0B82-4502-94EC-A7F02A42CFE5}"/>
               </a:ext>
             </a:extLst>
           </p:cNvPr>
@@ -3645,7 +3645,7 @@
         </p:blipFill>
         <p:spPr>
           <a:xfrm>
-            <a:off x="3973455" y="4565314"/>
+            <a:off x="3609662" y="4794151"/>
             <a:ext cx="1091337" cy="1228244"/>
           </a:xfrm>
           <a:prstGeom prst="rect">
@@ -3658,7 +3658,7 @@
           <p:cNvPr id="5" name="TextBox 4">
             <a:extLst>
               <a:ext uri="{FF2B5EF4-FFF2-40B4-BE49-F238E27FC236}">
-                <a16:creationId xmlns:a16="http://schemas.microsoft.com/office/drawing/2014/main" id="{5AF93F11-300E-40BF-B3D1-43A49301B251}"/>
+                <a16:creationId xmlns:a16="http://schemas.microsoft.com/office/drawing/2014/main" id="{1E661A36-87E1-4CAD-BC07-1A6EB77493BB}"/>
               </a:ext>
             </a:extLst>
           </p:cNvPr>
@@ -3667,8 +3667,8 @@
         </p:nvSpPr>
         <p:spPr>
           <a:xfrm>
-            <a:off x="3864078" y="865238"/>
-            <a:ext cx="1858296" cy="461665"/>
+            <a:off x="3539614" y="956286"/>
+            <a:ext cx="1406012" cy="461665"/>
           </a:xfrm>
           <a:prstGeom prst="rect">
             <a:avLst/>
@@ -3683,7 +3683,7 @@
           <a:p>
             <a:r>
               <a:rPr lang="en-GB" sz="1200" dirty="0"/>
-              <a:t>Data collection strategy (by Country)</a:t>
+              <a:t>Data collection      (by Voting Results)</a:t>
             </a:r>
           </a:p>
         </p:txBody>
@@ -3691,7 +3691,7 @@
     </p:spTree>
     <p:extLst>
       <p:ext uri="{BB962C8B-B14F-4D97-AF65-F5344CB8AC3E}">
-        <p14:creationId xmlns:p14="http://schemas.microsoft.com/office/powerpoint/2010/main" val="577332463"/>
+        <p14:creationId xmlns:p14="http://schemas.microsoft.com/office/powerpoint/2010/main" val="1395990471"/>
       </p:ext>
     </p:extLst>
   </p:cSld>

--- a/figures/ppt.pptx
+++ b/figures/ppt.pptx
@@ -263,7 +263,7 @@
           <a:p>
             <a:fld id="{78EE4270-DB3A-48C1-AA11-E0F145ABC2A0}" type="datetimeFigureOut">
               <a:rPr lang="en-GB" smtClean="0"/>
-              <a:t>14/01/2020</a:t>
+              <a:t>15/01/2020</a:t>
             </a:fld>
             <a:endParaRPr lang="en-GB"/>
           </a:p>
@@ -463,7 +463,7 @@
           <a:p>
             <a:fld id="{78EE4270-DB3A-48C1-AA11-E0F145ABC2A0}" type="datetimeFigureOut">
               <a:rPr lang="en-GB" smtClean="0"/>
-              <a:t>14/01/2020</a:t>
+              <a:t>15/01/2020</a:t>
             </a:fld>
             <a:endParaRPr lang="en-GB"/>
           </a:p>
@@ -673,7 +673,7 @@
           <a:p>
             <a:fld id="{78EE4270-DB3A-48C1-AA11-E0F145ABC2A0}" type="datetimeFigureOut">
               <a:rPr lang="en-GB" smtClean="0"/>
-              <a:t>14/01/2020</a:t>
+              <a:t>15/01/2020</a:t>
             </a:fld>
             <a:endParaRPr lang="en-GB"/>
           </a:p>
@@ -873,7 +873,7 @@
           <a:p>
             <a:fld id="{78EE4270-DB3A-48C1-AA11-E0F145ABC2A0}" type="datetimeFigureOut">
               <a:rPr lang="en-GB" smtClean="0"/>
-              <a:t>14/01/2020</a:t>
+              <a:t>15/01/2020</a:t>
             </a:fld>
             <a:endParaRPr lang="en-GB"/>
           </a:p>
@@ -1149,7 +1149,7 @@
           <a:p>
             <a:fld id="{78EE4270-DB3A-48C1-AA11-E0F145ABC2A0}" type="datetimeFigureOut">
               <a:rPr lang="en-GB" smtClean="0"/>
-              <a:t>14/01/2020</a:t>
+              <a:t>15/01/2020</a:t>
             </a:fld>
             <a:endParaRPr lang="en-GB"/>
           </a:p>
@@ -1417,7 +1417,7 @@
           <a:p>
             <a:fld id="{78EE4270-DB3A-48C1-AA11-E0F145ABC2A0}" type="datetimeFigureOut">
               <a:rPr lang="en-GB" smtClean="0"/>
-              <a:t>14/01/2020</a:t>
+              <a:t>15/01/2020</a:t>
             </a:fld>
             <a:endParaRPr lang="en-GB"/>
           </a:p>
@@ -1832,7 +1832,7 @@
           <a:p>
             <a:fld id="{78EE4270-DB3A-48C1-AA11-E0F145ABC2A0}" type="datetimeFigureOut">
               <a:rPr lang="en-GB" smtClean="0"/>
-              <a:t>14/01/2020</a:t>
+              <a:t>15/01/2020</a:t>
             </a:fld>
             <a:endParaRPr lang="en-GB"/>
           </a:p>
@@ -1974,7 +1974,7 @@
           <a:p>
             <a:fld id="{78EE4270-DB3A-48C1-AA11-E0F145ABC2A0}" type="datetimeFigureOut">
               <a:rPr lang="en-GB" smtClean="0"/>
-              <a:t>14/01/2020</a:t>
+              <a:t>15/01/2020</a:t>
             </a:fld>
             <a:endParaRPr lang="en-GB"/>
           </a:p>
@@ -2087,7 +2087,7 @@
           <a:p>
             <a:fld id="{78EE4270-DB3A-48C1-AA11-E0F145ABC2A0}" type="datetimeFigureOut">
               <a:rPr lang="en-GB" smtClean="0"/>
-              <a:t>14/01/2020</a:t>
+              <a:t>15/01/2020</a:t>
             </a:fld>
             <a:endParaRPr lang="en-GB"/>
           </a:p>
@@ -2400,7 +2400,7 @@
           <a:p>
             <a:fld id="{78EE4270-DB3A-48C1-AA11-E0F145ABC2A0}" type="datetimeFigureOut">
               <a:rPr lang="en-GB" smtClean="0"/>
-              <a:t>14/01/2020</a:t>
+              <a:t>15/01/2020</a:t>
             </a:fld>
             <a:endParaRPr lang="en-GB"/>
           </a:p>
@@ -2689,7 +2689,7 @@
           <a:p>
             <a:fld id="{78EE4270-DB3A-48C1-AA11-E0F145ABC2A0}" type="datetimeFigureOut">
               <a:rPr lang="en-GB" smtClean="0"/>
-              <a:t>14/01/2020</a:t>
+              <a:t>15/01/2020</a:t>
             </a:fld>
             <a:endParaRPr lang="en-GB"/>
           </a:p>
@@ -2932,7 +2932,7 @@
           <a:p>
             <a:fld id="{78EE4270-DB3A-48C1-AA11-E0F145ABC2A0}" type="datetimeFigureOut">
               <a:rPr lang="en-GB" smtClean="0"/>
-              <a:t>14/01/2020</a:t>
+              <a:t>15/01/2020</a:t>
             </a:fld>
             <a:endParaRPr lang="en-GB"/>
           </a:p>
@@ -3370,7 +3370,7 @@
         </p:blipFill>
         <p:spPr>
           <a:xfrm>
-            <a:off x="3903407" y="707922"/>
+            <a:off x="2261420" y="789038"/>
             <a:ext cx="4149213" cy="5279924"/>
           </a:xfrm>
           <a:prstGeom prst="rect">
@@ -3399,7 +3399,7 @@
         </p:blipFill>
         <p:spPr>
           <a:xfrm>
-            <a:off x="3953791" y="4486656"/>
+            <a:off x="2311804" y="4567772"/>
             <a:ext cx="1091337" cy="1228244"/>
           </a:xfrm>
           <a:prstGeom prst="rect">
@@ -3421,7 +3421,7 @@
         </p:nvSpPr>
         <p:spPr>
           <a:xfrm>
-            <a:off x="3903407" y="707922"/>
+            <a:off x="2261420" y="789038"/>
             <a:ext cx="1632154" cy="461665"/>
           </a:xfrm>
           <a:prstGeom prst="rect">
@@ -3438,6 +3438,99 @@
             <a:r>
               <a:rPr lang="en-GB" sz="1200" dirty="0"/>
               <a:t>UK 2019 General Election Results</a:t>
+            </a:r>
+          </a:p>
+        </p:txBody>
+      </p:sp>
+      <p:pic>
+        <p:nvPicPr>
+          <p:cNvPr id="6" name="Picture 5">
+            <a:extLst>
+              <a:ext uri="{FF2B5EF4-FFF2-40B4-BE49-F238E27FC236}">
+                <a16:creationId xmlns:a16="http://schemas.microsoft.com/office/drawing/2014/main" id="{A8904A7C-EB5C-46CF-B660-A67FA2B5E507}"/>
+              </a:ext>
+            </a:extLst>
+          </p:cNvPr>
+          <p:cNvPicPr>
+            <a:picLocks noChangeAspect="1"/>
+          </p:cNvPicPr>
+          <p:nvPr/>
+        </p:nvPicPr>
+        <p:blipFill rotWithShape="1">
+          <a:blip r:embed="rId4"/>
+          <a:srcRect l="31542" t="14476" r="33861" b="8534"/>
+          <a:stretch/>
+        </p:blipFill>
+        <p:spPr>
+          <a:xfrm>
+            <a:off x="6538452" y="789038"/>
+            <a:ext cx="4218039" cy="5279924"/>
+          </a:xfrm>
+          <a:prstGeom prst="rect">
+            <a:avLst/>
+          </a:prstGeom>
+        </p:spPr>
+      </p:pic>
+      <p:pic>
+        <p:nvPicPr>
+          <p:cNvPr id="7" name="Picture 6">
+            <a:extLst>
+              <a:ext uri="{FF2B5EF4-FFF2-40B4-BE49-F238E27FC236}">
+                <a16:creationId xmlns:a16="http://schemas.microsoft.com/office/drawing/2014/main" id="{AF9FA05A-2C55-484F-A2EA-BDFE7ED96F2A}"/>
+              </a:ext>
+            </a:extLst>
+          </p:cNvPr>
+          <p:cNvPicPr>
+            <a:picLocks noChangeAspect="1"/>
+          </p:cNvPicPr>
+          <p:nvPr/>
+        </p:nvPicPr>
+        <p:blipFill rotWithShape="1">
+          <a:blip r:embed="rId3"/>
+          <a:srcRect l="14919" t="19929" r="62581" b="35054"/>
+          <a:stretch/>
+        </p:blipFill>
+        <p:spPr>
+          <a:xfrm>
+            <a:off x="6608501" y="4626903"/>
+            <a:ext cx="1091337" cy="1228244"/>
+          </a:xfrm>
+          <a:prstGeom prst="rect">
+            <a:avLst/>
+          </a:prstGeom>
+        </p:spPr>
+      </p:pic>
+      <p:sp>
+        <p:nvSpPr>
+          <p:cNvPr id="8" name="TextBox 7">
+            <a:extLst>
+              <a:ext uri="{FF2B5EF4-FFF2-40B4-BE49-F238E27FC236}">
+                <a16:creationId xmlns:a16="http://schemas.microsoft.com/office/drawing/2014/main" id="{9DB0C6BA-8926-494B-84DA-1C86902614B0}"/>
+              </a:ext>
+            </a:extLst>
+          </p:cNvPr>
+          <p:cNvSpPr txBox="1"/>
+          <p:nvPr/>
+        </p:nvSpPr>
+        <p:spPr>
+          <a:xfrm>
+            <a:off x="6538453" y="789038"/>
+            <a:ext cx="1406012" cy="461665"/>
+          </a:xfrm>
+          <a:prstGeom prst="rect">
+            <a:avLst/>
+          </a:prstGeom>
+          <a:noFill/>
+        </p:spPr>
+        <p:txBody>
+          <a:bodyPr wrap="square" rtlCol="0">
+            <a:spAutoFit/>
+          </a:bodyPr>
+          <a:lstStyle/>
+          <a:p>
+            <a:r>
+              <a:rPr lang="en-GB" sz="1200" dirty="0"/>
+              <a:t>Data collection      (by Voting Results)</a:t>
             </a:r>
           </a:p>
         </p:txBody>
@@ -3474,10 +3567,10 @@
       </p:grpSpPr>
       <p:pic>
         <p:nvPicPr>
-          <p:cNvPr id="2" name="Picture 1">
-            <a:extLst>
-              <a:ext uri="{FF2B5EF4-FFF2-40B4-BE49-F238E27FC236}">
-                <a16:creationId xmlns:a16="http://schemas.microsoft.com/office/drawing/2014/main" id="{C55348F8-EA3E-412C-95C6-B87CF7C554FA}"/>
+          <p:cNvPr id="4" name="Picture 3">
+            <a:extLst>
+              <a:ext uri="{FF2B5EF4-FFF2-40B4-BE49-F238E27FC236}">
+                <a16:creationId xmlns:a16="http://schemas.microsoft.com/office/drawing/2014/main" id="{0E031219-AFE9-42A6-938E-24F4A2FCD352}"/>
               </a:ext>
             </a:extLst>
           </p:cNvPr>
@@ -3488,13 +3581,77 @@
         </p:nvPicPr>
         <p:blipFill rotWithShape="1">
           <a:blip r:embed="rId2"/>
-          <a:srcRect l="31694" t="12616" r="33952" b="10681"/>
+          <a:srcRect l="37383" t="22367" r="36738" b="18292"/>
           <a:stretch/>
         </p:blipFill>
         <p:spPr>
           <a:xfrm>
-            <a:off x="3864078" y="865238"/>
-            <a:ext cx="4188542" cy="5260259"/>
+            <a:off x="1596199" y="727587"/>
+            <a:ext cx="4078321" cy="5260258"/>
+          </a:xfrm>
+          <a:prstGeom prst="rect">
+            <a:avLst/>
+          </a:prstGeom>
+        </p:spPr>
+      </p:pic>
+      <p:sp>
+        <p:nvSpPr>
+          <p:cNvPr id="5" name="TextBox 4">
+            <a:extLst>
+              <a:ext uri="{FF2B5EF4-FFF2-40B4-BE49-F238E27FC236}">
+                <a16:creationId xmlns:a16="http://schemas.microsoft.com/office/drawing/2014/main" id="{5AF93F11-300E-40BF-B3D1-43A49301B251}"/>
+              </a:ext>
+            </a:extLst>
+          </p:cNvPr>
+          <p:cNvSpPr txBox="1"/>
+          <p:nvPr/>
+        </p:nvSpPr>
+        <p:spPr>
+          <a:xfrm>
+            <a:off x="1596199" y="727587"/>
+            <a:ext cx="1200714" cy="461665"/>
+          </a:xfrm>
+          <a:prstGeom prst="rect">
+            <a:avLst/>
+          </a:prstGeom>
+          <a:noFill/>
+        </p:spPr>
+        <p:txBody>
+          <a:bodyPr wrap="square" rtlCol="0">
+            <a:spAutoFit/>
+          </a:bodyPr>
+          <a:lstStyle/>
+          <a:p>
+            <a:r>
+              <a:rPr lang="en-GB" sz="1200" dirty="0"/>
+              <a:t>Data collection (by Country)</a:t>
+            </a:r>
+          </a:p>
+        </p:txBody>
+      </p:sp>
+      <p:pic>
+        <p:nvPicPr>
+          <p:cNvPr id="6" name="Picture 5">
+            <a:extLst>
+              <a:ext uri="{FF2B5EF4-FFF2-40B4-BE49-F238E27FC236}">
+                <a16:creationId xmlns:a16="http://schemas.microsoft.com/office/drawing/2014/main" id="{6AA4D994-AA5A-4A19-8B1A-7E688F9858A5}"/>
+              </a:ext>
+            </a:extLst>
+          </p:cNvPr>
+          <p:cNvPicPr>
+            <a:picLocks noChangeAspect="1"/>
+          </p:cNvPicPr>
+          <p:nvPr/>
+        </p:nvPicPr>
+        <p:blipFill rotWithShape="1">
+          <a:blip r:embed="rId3"/>
+          <a:srcRect l="31542" t="14476" r="33861" b="8534"/>
+          <a:stretch/>
+        </p:blipFill>
+        <p:spPr>
+          <a:xfrm>
+            <a:off x="5915454" y="727587"/>
+            <a:ext cx="4218039" cy="5279924"/>
           </a:xfrm>
           <a:prstGeom prst="rect">
             <a:avLst/>
@@ -3503,10 +3660,10 @@
       </p:pic>
       <p:pic>
         <p:nvPicPr>
-          <p:cNvPr id="3" name="Picture 2">
-            <a:extLst>
-              <a:ext uri="{FF2B5EF4-FFF2-40B4-BE49-F238E27FC236}">
-                <a16:creationId xmlns:a16="http://schemas.microsoft.com/office/drawing/2014/main" id="{A42E20A4-32C7-40EC-B607-A4C509DBDD3A}"/>
+          <p:cNvPr id="7" name="Picture 6">
+            <a:extLst>
+              <a:ext uri="{FF2B5EF4-FFF2-40B4-BE49-F238E27FC236}">
+                <a16:creationId xmlns:a16="http://schemas.microsoft.com/office/drawing/2014/main" id="{05E3D9DC-CCB3-40FF-A1CD-2038EDC30B9D}"/>
               </a:ext>
             </a:extLst>
           </p:cNvPr>
@@ -3516,13 +3673,13 @@
           <p:nvPr/>
         </p:nvPicPr>
         <p:blipFill rotWithShape="1">
-          <a:blip r:embed="rId3"/>
+          <a:blip r:embed="rId4"/>
           <a:srcRect l="14919" t="19929" r="62581" b="35054"/>
           <a:stretch/>
         </p:blipFill>
         <p:spPr>
           <a:xfrm>
-            <a:off x="3973455" y="4565314"/>
+            <a:off x="5985503" y="4565452"/>
             <a:ext cx="1091337" cy="1228244"/>
           </a:xfrm>
           <a:prstGeom prst="rect">
@@ -3532,10 +3689,10 @@
       </p:pic>
       <p:sp>
         <p:nvSpPr>
-          <p:cNvPr id="5" name="TextBox 4">
-            <a:extLst>
-              <a:ext uri="{FF2B5EF4-FFF2-40B4-BE49-F238E27FC236}">
-                <a16:creationId xmlns:a16="http://schemas.microsoft.com/office/drawing/2014/main" id="{5AF93F11-300E-40BF-B3D1-43A49301B251}"/>
+          <p:cNvPr id="8" name="TextBox 7">
+            <a:extLst>
+              <a:ext uri="{FF2B5EF4-FFF2-40B4-BE49-F238E27FC236}">
+                <a16:creationId xmlns:a16="http://schemas.microsoft.com/office/drawing/2014/main" id="{840D7ED3-AA23-4B76-93FA-2F48CCD1D598}"/>
               </a:ext>
             </a:extLst>
           </p:cNvPr>
@@ -3544,8 +3701,8 @@
         </p:nvSpPr>
         <p:spPr>
           <a:xfrm>
-            <a:off x="3864078" y="865238"/>
-            <a:ext cx="1200714" cy="461665"/>
+            <a:off x="5915455" y="727587"/>
+            <a:ext cx="1406012" cy="461665"/>
           </a:xfrm>
           <a:prstGeom prst="rect">
             <a:avLst/>
@@ -3560,7 +3717,335 @@
           <a:p>
             <a:r>
               <a:rPr lang="en-GB" sz="1200" dirty="0"/>
-              <a:t>Data collection (by Country)</a:t>
+              <a:t>Data collection      (by Voting Results)</a:t>
+            </a:r>
+          </a:p>
+        </p:txBody>
+      </p:sp>
+      <p:sp>
+        <p:nvSpPr>
+          <p:cNvPr id="10" name="Rectangle 9">
+            <a:extLst>
+              <a:ext uri="{FF2B5EF4-FFF2-40B4-BE49-F238E27FC236}">
+                <a16:creationId xmlns:a16="http://schemas.microsoft.com/office/drawing/2014/main" id="{D8823725-18F8-4E2A-BE59-6D1188594E50}"/>
+              </a:ext>
+            </a:extLst>
+          </p:cNvPr>
+          <p:cNvSpPr/>
+          <p:nvPr/>
+        </p:nvSpPr>
+        <p:spPr>
+          <a:xfrm>
+            <a:off x="1689241" y="4678131"/>
+            <a:ext cx="1107672" cy="1123371"/>
+          </a:xfrm>
+          <a:prstGeom prst="rect">
+            <a:avLst/>
+          </a:prstGeom>
+          <a:solidFill>
+            <a:schemeClr val="bg1"/>
+          </a:solidFill>
+          <a:ln>
+            <a:noFill/>
+          </a:ln>
+        </p:spPr>
+        <p:style>
+          <a:lnRef idx="2">
+            <a:schemeClr val="accent1">
+              <a:shade val="50000"/>
+            </a:schemeClr>
+          </a:lnRef>
+          <a:fillRef idx="1">
+            <a:schemeClr val="accent1"/>
+          </a:fillRef>
+          <a:effectRef idx="0">
+            <a:schemeClr val="accent1"/>
+          </a:effectRef>
+          <a:fontRef idx="minor">
+            <a:schemeClr val="lt1"/>
+          </a:fontRef>
+        </p:style>
+        <p:txBody>
+          <a:bodyPr rtlCol="0" anchor="ctr"/>
+          <a:lstStyle/>
+          <a:p>
+            <a:pPr algn="ctr"/>
+            <a:endParaRPr lang="en-GB"/>
+          </a:p>
+        </p:txBody>
+      </p:sp>
+      <p:pic>
+        <p:nvPicPr>
+          <p:cNvPr id="9" name="Picture 8">
+            <a:extLst>
+              <a:ext uri="{FF2B5EF4-FFF2-40B4-BE49-F238E27FC236}">
+                <a16:creationId xmlns:a16="http://schemas.microsoft.com/office/drawing/2014/main" id="{245C89BF-8596-4FC3-8CF4-9962FAF31F84}"/>
+              </a:ext>
+            </a:extLst>
+          </p:cNvPr>
+          <p:cNvPicPr>
+            <a:picLocks noChangeAspect="1"/>
+          </p:cNvPicPr>
+          <p:nvPr/>
+        </p:nvPicPr>
+        <p:blipFill rotWithShape="1">
+          <a:blip r:embed="rId2"/>
+          <a:srcRect l="49559" t="31628" r="49215" b="66455"/>
+          <a:stretch/>
+        </p:blipFill>
+        <p:spPr>
+          <a:xfrm>
+            <a:off x="1813131" y="5597942"/>
+            <a:ext cx="179962" cy="163494"/>
+          </a:xfrm>
+          <a:prstGeom prst="rect">
+            <a:avLst/>
+          </a:prstGeom>
+          <a:ln w="3175">
+            <a:solidFill>
+              <a:schemeClr val="tx1"/>
+            </a:solidFill>
+          </a:ln>
+        </p:spPr>
+      </p:pic>
+      <p:pic>
+        <p:nvPicPr>
+          <p:cNvPr id="11" name="Picture 10">
+            <a:extLst>
+              <a:ext uri="{FF2B5EF4-FFF2-40B4-BE49-F238E27FC236}">
+                <a16:creationId xmlns:a16="http://schemas.microsoft.com/office/drawing/2014/main" id="{F63E38AD-4389-464F-AEAC-74DECF075DCB}"/>
+              </a:ext>
+            </a:extLst>
+          </p:cNvPr>
+          <p:cNvPicPr>
+            <a:picLocks noChangeAspect="1"/>
+          </p:cNvPicPr>
+          <p:nvPr/>
+        </p:nvPicPr>
+        <p:blipFill rotWithShape="1">
+          <a:blip r:embed="rId2"/>
+          <a:srcRect l="43889" t="45050" r="54746" b="52732"/>
+          <a:stretch/>
+        </p:blipFill>
+        <p:spPr>
+          <a:xfrm>
+            <a:off x="1811323" y="5330870"/>
+            <a:ext cx="181770" cy="166186"/>
+          </a:xfrm>
+          <a:prstGeom prst="rect">
+            <a:avLst/>
+          </a:prstGeom>
+          <a:ln w="3175">
+            <a:solidFill>
+              <a:schemeClr val="tx1"/>
+            </a:solidFill>
+          </a:ln>
+        </p:spPr>
+      </p:pic>
+      <p:pic>
+        <p:nvPicPr>
+          <p:cNvPr id="12" name="Picture 11">
+            <a:extLst>
+              <a:ext uri="{FF2B5EF4-FFF2-40B4-BE49-F238E27FC236}">
+                <a16:creationId xmlns:a16="http://schemas.microsoft.com/office/drawing/2014/main" id="{7E2511E8-0208-41D7-9351-B5931E5F396D}"/>
+              </a:ext>
+            </a:extLst>
+          </p:cNvPr>
+          <p:cNvPicPr>
+            <a:picLocks noChangeAspect="1"/>
+          </p:cNvPicPr>
+          <p:nvPr/>
+        </p:nvPicPr>
+        <p:blipFill rotWithShape="1">
+          <a:blip r:embed="rId2"/>
+          <a:srcRect l="49303" t="62470" r="49150" b="34874"/>
+          <a:stretch/>
+        </p:blipFill>
+        <p:spPr>
+          <a:xfrm>
+            <a:off x="1815909" y="5058870"/>
+            <a:ext cx="177184" cy="171114"/>
+          </a:xfrm>
+          <a:prstGeom prst="rect">
+            <a:avLst/>
+          </a:prstGeom>
+          <a:ln w="3175">
+            <a:solidFill>
+              <a:schemeClr val="tx1"/>
+            </a:solidFill>
+          </a:ln>
+        </p:spPr>
+      </p:pic>
+      <p:pic>
+        <p:nvPicPr>
+          <p:cNvPr id="13" name="Picture 12">
+            <a:extLst>
+              <a:ext uri="{FF2B5EF4-FFF2-40B4-BE49-F238E27FC236}">
+                <a16:creationId xmlns:a16="http://schemas.microsoft.com/office/drawing/2014/main" id="{F0CDC7B1-96F3-4B0A-BB93-67967BF43211}"/>
+              </a:ext>
+            </a:extLst>
+          </p:cNvPr>
+          <p:cNvPicPr>
+            <a:picLocks noChangeAspect="1"/>
+          </p:cNvPicPr>
+          <p:nvPr/>
+        </p:nvPicPr>
+        <p:blipFill rotWithShape="1">
+          <a:blip r:embed="rId2"/>
+          <a:srcRect l="54525" t="59891" r="43843" b="37659"/>
+          <a:stretch/>
+        </p:blipFill>
+        <p:spPr>
+          <a:xfrm>
+            <a:off x="1810829" y="4797632"/>
+            <a:ext cx="179798" cy="171207"/>
+          </a:xfrm>
+          <a:prstGeom prst="rect">
+            <a:avLst/>
+          </a:prstGeom>
+          <a:ln w="3175">
+            <a:solidFill>
+              <a:schemeClr val="tx1"/>
+            </a:solidFill>
+          </a:ln>
+        </p:spPr>
+      </p:pic>
+      <p:sp>
+        <p:nvSpPr>
+          <p:cNvPr id="14" name="TextBox 13">
+            <a:extLst>
+              <a:ext uri="{FF2B5EF4-FFF2-40B4-BE49-F238E27FC236}">
+                <a16:creationId xmlns:a16="http://schemas.microsoft.com/office/drawing/2014/main" id="{C4F21D96-C1AD-48C3-893A-54362B6CE6A4}"/>
+              </a:ext>
+            </a:extLst>
+          </p:cNvPr>
+          <p:cNvSpPr txBox="1"/>
+          <p:nvPr/>
+        </p:nvSpPr>
+        <p:spPr>
+          <a:xfrm>
+            <a:off x="1964695" y="4738006"/>
+            <a:ext cx="719511" cy="280798"/>
+          </a:xfrm>
+          <a:prstGeom prst="rect">
+            <a:avLst/>
+          </a:prstGeom>
+          <a:noFill/>
+        </p:spPr>
+        <p:txBody>
+          <a:bodyPr wrap="square" rtlCol="0">
+            <a:spAutoFit/>
+          </a:bodyPr>
+          <a:lstStyle/>
+          <a:p>
+            <a:r>
+              <a:rPr lang="en-GB" sz="1200" dirty="0"/>
+              <a:t>England</a:t>
+            </a:r>
+          </a:p>
+        </p:txBody>
+      </p:sp>
+      <p:sp>
+        <p:nvSpPr>
+          <p:cNvPr id="15" name="TextBox 14">
+            <a:extLst>
+              <a:ext uri="{FF2B5EF4-FFF2-40B4-BE49-F238E27FC236}">
+                <a16:creationId xmlns:a16="http://schemas.microsoft.com/office/drawing/2014/main" id="{C8831DA8-BB8C-46CB-B6A8-3BFAC5FD4245}"/>
+              </a:ext>
+            </a:extLst>
+          </p:cNvPr>
+          <p:cNvSpPr txBox="1"/>
+          <p:nvPr/>
+        </p:nvSpPr>
+        <p:spPr>
+          <a:xfrm>
+            <a:off x="1964694" y="4997906"/>
+            <a:ext cx="719511" cy="280798"/>
+          </a:xfrm>
+          <a:prstGeom prst="rect">
+            <a:avLst/>
+          </a:prstGeom>
+          <a:noFill/>
+        </p:spPr>
+        <p:txBody>
+          <a:bodyPr wrap="square" rtlCol="0">
+            <a:spAutoFit/>
+          </a:bodyPr>
+          <a:lstStyle/>
+          <a:p>
+            <a:r>
+              <a:rPr lang="en-GB" sz="1200" dirty="0"/>
+              <a:t>Wales</a:t>
+            </a:r>
+          </a:p>
+        </p:txBody>
+      </p:sp>
+      <p:sp>
+        <p:nvSpPr>
+          <p:cNvPr id="16" name="TextBox 15">
+            <a:extLst>
+              <a:ext uri="{FF2B5EF4-FFF2-40B4-BE49-F238E27FC236}">
+                <a16:creationId xmlns:a16="http://schemas.microsoft.com/office/drawing/2014/main" id="{52F859BB-5A20-4178-8791-9597D3D0EBEB}"/>
+              </a:ext>
+            </a:extLst>
+          </p:cNvPr>
+          <p:cNvSpPr txBox="1"/>
+          <p:nvPr/>
+        </p:nvSpPr>
+        <p:spPr>
+          <a:xfrm>
+            <a:off x="1964693" y="5287302"/>
+            <a:ext cx="894108" cy="276999"/>
+          </a:xfrm>
+          <a:prstGeom prst="rect">
+            <a:avLst/>
+          </a:prstGeom>
+          <a:noFill/>
+        </p:spPr>
+        <p:txBody>
+          <a:bodyPr wrap="square" rtlCol="0">
+            <a:spAutoFit/>
+          </a:bodyPr>
+          <a:lstStyle/>
+          <a:p>
+            <a:r>
+              <a:rPr lang="en-GB" sz="1200" dirty="0"/>
+              <a:t>North. Ire.</a:t>
+            </a:r>
+          </a:p>
+        </p:txBody>
+      </p:sp>
+      <p:sp>
+        <p:nvSpPr>
+          <p:cNvPr id="17" name="TextBox 16">
+            <a:extLst>
+              <a:ext uri="{FF2B5EF4-FFF2-40B4-BE49-F238E27FC236}">
+                <a16:creationId xmlns:a16="http://schemas.microsoft.com/office/drawing/2014/main" id="{326A12F9-C583-4ED4-9A5C-8BAA6C7C59C0}"/>
+              </a:ext>
+            </a:extLst>
+          </p:cNvPr>
+          <p:cNvSpPr txBox="1"/>
+          <p:nvPr/>
+        </p:nvSpPr>
+        <p:spPr>
+          <a:xfrm>
+            <a:off x="1964692" y="5537370"/>
+            <a:ext cx="894108" cy="276999"/>
+          </a:xfrm>
+          <a:prstGeom prst="rect">
+            <a:avLst/>
+          </a:prstGeom>
+          <a:noFill/>
+        </p:spPr>
+        <p:txBody>
+          <a:bodyPr wrap="square" rtlCol="0">
+            <a:spAutoFit/>
+          </a:bodyPr>
+          <a:lstStyle/>
+          <a:p>
+            <a:r>
+              <a:rPr lang="en-GB" sz="1200" dirty="0"/>
+              <a:t>Scotland</a:t>
             </a:r>
           </a:p>
         </p:txBody>
@@ -3595,99 +4080,6 @@
           <a:chExt cx="0" cy="0"/>
         </a:xfrm>
       </p:grpSpPr>
-      <p:pic>
-        <p:nvPicPr>
-          <p:cNvPr id="4" name="Picture 3">
-            <a:extLst>
-              <a:ext uri="{FF2B5EF4-FFF2-40B4-BE49-F238E27FC236}">
-                <a16:creationId xmlns:a16="http://schemas.microsoft.com/office/drawing/2014/main" id="{5AA7EE3E-49A4-4168-92C0-1744772252AA}"/>
-              </a:ext>
-            </a:extLst>
-          </p:cNvPr>
-          <p:cNvPicPr>
-            <a:picLocks noChangeAspect="1"/>
-          </p:cNvPicPr>
-          <p:nvPr/>
-        </p:nvPicPr>
-        <p:blipFill rotWithShape="1">
-          <a:blip r:embed="rId2"/>
-          <a:srcRect l="31451" t="14623" r="33952" b="9428"/>
-          <a:stretch/>
-        </p:blipFill>
-        <p:spPr>
-          <a:xfrm>
-            <a:off x="3539613" y="956286"/>
-            <a:ext cx="4218039" cy="5208539"/>
-          </a:xfrm>
-          <a:prstGeom prst="rect">
-            <a:avLst/>
-          </a:prstGeom>
-        </p:spPr>
-      </p:pic>
-      <p:pic>
-        <p:nvPicPr>
-          <p:cNvPr id="3" name="Picture 2">
-            <a:extLst>
-              <a:ext uri="{FF2B5EF4-FFF2-40B4-BE49-F238E27FC236}">
-                <a16:creationId xmlns:a16="http://schemas.microsoft.com/office/drawing/2014/main" id="{B00D0472-0B82-4502-94EC-A7F02A42CFE5}"/>
-              </a:ext>
-            </a:extLst>
-          </p:cNvPr>
-          <p:cNvPicPr>
-            <a:picLocks noChangeAspect="1"/>
-          </p:cNvPicPr>
-          <p:nvPr/>
-        </p:nvPicPr>
-        <p:blipFill rotWithShape="1">
-          <a:blip r:embed="rId3"/>
-          <a:srcRect l="14919" t="19929" r="62581" b="35054"/>
-          <a:stretch/>
-        </p:blipFill>
-        <p:spPr>
-          <a:xfrm>
-            <a:off x="3609662" y="4794151"/>
-            <a:ext cx="1091337" cy="1228244"/>
-          </a:xfrm>
-          <a:prstGeom prst="rect">
-            <a:avLst/>
-          </a:prstGeom>
-        </p:spPr>
-      </p:pic>
-      <p:sp>
-        <p:nvSpPr>
-          <p:cNvPr id="5" name="TextBox 4">
-            <a:extLst>
-              <a:ext uri="{FF2B5EF4-FFF2-40B4-BE49-F238E27FC236}">
-                <a16:creationId xmlns:a16="http://schemas.microsoft.com/office/drawing/2014/main" id="{1E661A36-87E1-4CAD-BC07-1A6EB77493BB}"/>
-              </a:ext>
-            </a:extLst>
-          </p:cNvPr>
-          <p:cNvSpPr txBox="1"/>
-          <p:nvPr/>
-        </p:nvSpPr>
-        <p:spPr>
-          <a:xfrm>
-            <a:off x="3539614" y="956286"/>
-            <a:ext cx="1406012" cy="461665"/>
-          </a:xfrm>
-          <a:prstGeom prst="rect">
-            <a:avLst/>
-          </a:prstGeom>
-          <a:noFill/>
-        </p:spPr>
-        <p:txBody>
-          <a:bodyPr wrap="square" rtlCol="0">
-            <a:spAutoFit/>
-          </a:bodyPr>
-          <a:lstStyle/>
-          <a:p>
-            <a:r>
-              <a:rPr lang="en-GB" sz="1200" dirty="0"/>
-              <a:t>Data collection      (by Voting Results)</a:t>
-            </a:r>
-          </a:p>
-        </p:txBody>
-      </p:sp>
     </p:spTree>
     <p:extLst>
       <p:ext uri="{BB962C8B-B14F-4D97-AF65-F5344CB8AC3E}">

--- a/figures/ppt.pptx
+++ b/figures/ppt.pptx
@@ -263,7 +263,7 @@
           <a:p>
             <a:fld id="{78EE4270-DB3A-48C1-AA11-E0F145ABC2A0}" type="datetimeFigureOut">
               <a:rPr lang="en-GB" smtClean="0"/>
-              <a:t>15/01/2020</a:t>
+              <a:t>17/01/2020</a:t>
             </a:fld>
             <a:endParaRPr lang="en-GB"/>
           </a:p>
@@ -463,7 +463,7 @@
           <a:p>
             <a:fld id="{78EE4270-DB3A-48C1-AA11-E0F145ABC2A0}" type="datetimeFigureOut">
               <a:rPr lang="en-GB" smtClean="0"/>
-              <a:t>15/01/2020</a:t>
+              <a:t>17/01/2020</a:t>
             </a:fld>
             <a:endParaRPr lang="en-GB"/>
           </a:p>
@@ -673,7 +673,7 @@
           <a:p>
             <a:fld id="{78EE4270-DB3A-48C1-AA11-E0F145ABC2A0}" type="datetimeFigureOut">
               <a:rPr lang="en-GB" smtClean="0"/>
-              <a:t>15/01/2020</a:t>
+              <a:t>17/01/2020</a:t>
             </a:fld>
             <a:endParaRPr lang="en-GB"/>
           </a:p>
@@ -873,7 +873,7 @@
           <a:p>
             <a:fld id="{78EE4270-DB3A-48C1-AA11-E0F145ABC2A0}" type="datetimeFigureOut">
               <a:rPr lang="en-GB" smtClean="0"/>
-              <a:t>15/01/2020</a:t>
+              <a:t>17/01/2020</a:t>
             </a:fld>
             <a:endParaRPr lang="en-GB"/>
           </a:p>
@@ -1149,7 +1149,7 @@
           <a:p>
             <a:fld id="{78EE4270-DB3A-48C1-AA11-E0F145ABC2A0}" type="datetimeFigureOut">
               <a:rPr lang="en-GB" smtClean="0"/>
-              <a:t>15/01/2020</a:t>
+              <a:t>17/01/2020</a:t>
             </a:fld>
             <a:endParaRPr lang="en-GB"/>
           </a:p>
@@ -1417,7 +1417,7 @@
           <a:p>
             <a:fld id="{78EE4270-DB3A-48C1-AA11-E0F145ABC2A0}" type="datetimeFigureOut">
               <a:rPr lang="en-GB" smtClean="0"/>
-              <a:t>15/01/2020</a:t>
+              <a:t>17/01/2020</a:t>
             </a:fld>
             <a:endParaRPr lang="en-GB"/>
           </a:p>
@@ -1832,7 +1832,7 @@
           <a:p>
             <a:fld id="{78EE4270-DB3A-48C1-AA11-E0F145ABC2A0}" type="datetimeFigureOut">
               <a:rPr lang="en-GB" smtClean="0"/>
-              <a:t>15/01/2020</a:t>
+              <a:t>17/01/2020</a:t>
             </a:fld>
             <a:endParaRPr lang="en-GB"/>
           </a:p>
@@ -1974,7 +1974,7 @@
           <a:p>
             <a:fld id="{78EE4270-DB3A-48C1-AA11-E0F145ABC2A0}" type="datetimeFigureOut">
               <a:rPr lang="en-GB" smtClean="0"/>
-              <a:t>15/01/2020</a:t>
+              <a:t>17/01/2020</a:t>
             </a:fld>
             <a:endParaRPr lang="en-GB"/>
           </a:p>
@@ -2087,7 +2087,7 @@
           <a:p>
             <a:fld id="{78EE4270-DB3A-48C1-AA11-E0F145ABC2A0}" type="datetimeFigureOut">
               <a:rPr lang="en-GB" smtClean="0"/>
-              <a:t>15/01/2020</a:t>
+              <a:t>17/01/2020</a:t>
             </a:fld>
             <a:endParaRPr lang="en-GB"/>
           </a:p>
@@ -2400,7 +2400,7 @@
           <a:p>
             <a:fld id="{78EE4270-DB3A-48C1-AA11-E0F145ABC2A0}" type="datetimeFigureOut">
               <a:rPr lang="en-GB" smtClean="0"/>
-              <a:t>15/01/2020</a:t>
+              <a:t>17/01/2020</a:t>
             </a:fld>
             <a:endParaRPr lang="en-GB"/>
           </a:p>
@@ -2689,7 +2689,7 @@
           <a:p>
             <a:fld id="{78EE4270-DB3A-48C1-AA11-E0F145ABC2A0}" type="datetimeFigureOut">
               <a:rPr lang="en-GB" smtClean="0"/>
-              <a:t>15/01/2020</a:t>
+              <a:t>17/01/2020</a:t>
             </a:fld>
             <a:endParaRPr lang="en-GB"/>
           </a:p>
@@ -2932,7 +2932,7 @@
           <a:p>
             <a:fld id="{78EE4270-DB3A-48C1-AA11-E0F145ABC2A0}" type="datetimeFigureOut">
               <a:rPr lang="en-GB" smtClean="0"/>
-              <a:t>15/01/2020</a:t>
+              <a:t>17/01/2020</a:t>
             </a:fld>
             <a:endParaRPr lang="en-GB"/>
           </a:p>
@@ -4080,6 +4080,68 @@
           <a:chExt cx="0" cy="0"/>
         </a:xfrm>
       </p:grpSpPr>
+      <p:pic>
+        <p:nvPicPr>
+          <p:cNvPr id="2" name="Picture 1"/>
+          <p:cNvPicPr>
+            <a:picLocks noChangeAspect="1"/>
+          </p:cNvPicPr>
+          <p:nvPr/>
+        </p:nvPicPr>
+        <p:blipFill rotWithShape="1">
+          <a:blip r:embed="rId2"/>
+          <a:srcRect l="27813" t="23000" r="48646" b="40334"/>
+          <a:stretch/>
+        </p:blipFill>
+        <p:spPr>
+          <a:xfrm>
+            <a:off x="2495550" y="228600"/>
+            <a:ext cx="6629400" cy="6453398"/>
+          </a:xfrm>
+          <a:prstGeom prst="rect">
+            <a:avLst/>
+          </a:prstGeom>
+        </p:spPr>
+      </p:pic>
+      <p:pic>
+        <p:nvPicPr>
+          <p:cNvPr id="1028" name="Picture 4" descr="Image result for twitter"/>
+          <p:cNvPicPr>
+            <a:picLocks noChangeAspect="1" noChangeArrowheads="1"/>
+          </p:cNvPicPr>
+          <p:nvPr/>
+        </p:nvPicPr>
+        <p:blipFill rotWithShape="1">
+          <a:blip r:embed="rId3" cstate="hqprint">
+            <a:extLst>
+              <a:ext uri="{28A0092B-C50C-407E-A947-70E740481C1C}">
+                <a14:useLocalDpi xmlns:a14="http://schemas.microsoft.com/office/drawing/2010/main" val="0"/>
+              </a:ext>
+            </a:extLst>
+          </a:blip>
+          <a:srcRect l="57820" t="6666" r="2180" b="4667"/>
+          <a:stretch/>
+        </p:blipFill>
+        <p:spPr bwMode="auto">
+          <a:xfrm>
+            <a:off x="3412384" y="2571750"/>
+            <a:ext cx="550015" cy="457200"/>
+          </a:xfrm>
+          <a:prstGeom prst="rect">
+            <a:avLst/>
+          </a:prstGeom>
+          <a:noFill/>
+          <a:extLst>
+            <a:ext uri="{909E8E84-426E-40DD-AFC4-6F175D3DCCD1}">
+              <a14:hiddenFill xmlns:a14="http://schemas.microsoft.com/office/drawing/2010/main">
+                <a:solidFill>
+                  <a:srgbClr val="FFFFFF"/>
+                </a:solidFill>
+              </a14:hiddenFill>
+            </a:ext>
+          </a:extLst>
+        </p:spPr>
+      </p:pic>
     </p:spTree>
     <p:extLst>
       <p:ext uri="{BB962C8B-B14F-4D97-AF65-F5344CB8AC3E}">
